--- a/SE357-Requirement engineering/Requirement engineering - Framework.pptx
+++ b/SE357-Requirement engineering/Requirement engineering - Framework.pptx
@@ -3839,8 +3839,8 @@
           </a:p>
         </p:txBody>
       </p:sp>
-      <mc:AlternateContent xmlns:mc="http://schemas.openxmlformats.org/markup-compatibility/2006">
-        <mc:Choice xmlns:a14="http://schemas.microsoft.com/office/drawing/2010/main" Requires="a14">
+      <mc:AlternateContent xmlns:mc="http://schemas.openxmlformats.org/markup-compatibility/2006" xmlns:a14="http://schemas.microsoft.com/office/drawing/2010/main">
+        <mc:Choice Requires="a14">
           <p:sp>
             <p:nvSpPr>
               <p:cNvPr id="3" name="Chỗ dành sẵn cho Nội dung 2">
@@ -3923,7 +3923,7 @@
             </p:txBody>
           </p:sp>
         </mc:Choice>
-        <mc:Fallback>
+        <mc:Fallback xmlns="">
           <p:sp>
             <p:nvSpPr>
               <p:cNvPr id="3" name="Chỗ dành sẵn cho Nội dung 2">
@@ -4617,7 +4617,7 @@
             </a:pPr>
             <a:r>
               <a:rPr lang="en-US"/>
-              <a:t>- We can custom this template for my own purpose.</a:t>
+              <a:t>- We can custom this template for my own purpose [*].</a:t>
             </a:r>
           </a:p>
         </p:txBody>
@@ -4648,6 +4648,43 @@
               <a:t>6</a:t>
             </a:fld>
             <a:endParaRPr lang="vi-VN"/>
+          </a:p>
+        </p:txBody>
+      </p:sp>
+      <p:sp>
+        <p:nvSpPr>
+          <p:cNvPr id="6" name="Hộp Văn bản 5">
+            <a:extLst>
+              <a:ext uri="{FF2B5EF4-FFF2-40B4-BE49-F238E27FC236}">
+                <a16:creationId xmlns:a16="http://schemas.microsoft.com/office/drawing/2014/main" id="{B5ED8DFA-0B35-E1A3-22D5-4F9BB0058D0D}"/>
+              </a:ext>
+            </a:extLst>
+          </p:cNvPr>
+          <p:cNvSpPr txBox="1"/>
+          <p:nvPr/>
+        </p:nvSpPr>
+        <p:spPr>
+          <a:xfrm>
+            <a:off x="838200" y="5943491"/>
+            <a:ext cx="8769824" cy="646331"/>
+          </a:xfrm>
+          <a:prstGeom prst="rect">
+            <a:avLst/>
+          </a:prstGeom>
+          <a:noFill/>
+        </p:spPr>
+        <p:txBody>
+          <a:bodyPr wrap="square">
+            <a:spAutoFit/>
+          </a:bodyPr>
+          <a:lstStyle/>
+          <a:p>
+            <a:r>
+              <a:rPr lang="vi-VN">
+                <a:latin typeface="Calibri (Thân)"/>
+              </a:rPr>
+              <a:t>[*] https://github.com/vutuanhai237/CourseMaterials/tree/master/SE357-Requirement%20engineering</a:t>
+            </a:r>
           </a:p>
         </p:txBody>
       </p:sp>
